--- a/Uke 4/konseptforstaaelse_uke4.pptx
+++ b/Uke 4/konseptforstaaelse_uke4.pptx
@@ -145,7 +145,6 @@
 <p1510:revInfo xmlns:a="http://schemas.openxmlformats.org/drawingml/2006/main" xmlns:r="http://schemas.openxmlformats.org/officeDocument/2006/relationships" xmlns:p1510="http://schemas.microsoft.com/office/powerpoint/2015/10/main">
   <p1510:revLst>
     <p1510:client id="{875BB582-9239-6240-AFAF-08A1E2844E8D}" v="3" dt="2024-09-11T11:36:00.953"/>
-    <p1510:client id="{F4C060A3-4F3F-482C-9D91-51117052F8FD}" v="3" dt="2024-09-10T14:03:36.021"/>
   </p1510:revLst>
 </p1510:revInfo>
 </file>
@@ -155,7 +154,7 @@
   <pc:docChgLst>
     <pc:chgData name="Lennard Rolstad Denby" userId="32b70bad-f9a6-4436-bae9-a88e91ea250f" providerId="ADAL" clId="{875BB582-9239-6240-AFAF-08A1E2844E8D}"/>
     <pc:docChg chg="custSel addSld delSld modSld delMainMaster">
-      <pc:chgData name="Lennard Rolstad Denby" userId="32b70bad-f9a6-4436-bae9-a88e91ea250f" providerId="ADAL" clId="{875BB582-9239-6240-AFAF-08A1E2844E8D}" dt="2024-09-11T11:36:05.667" v="17" actId="26606"/>
+      <pc:chgData name="Lennard Rolstad Denby" userId="32b70bad-f9a6-4436-bae9-a88e91ea250f" providerId="ADAL" clId="{875BB582-9239-6240-AFAF-08A1E2844E8D}" dt="2024-09-12T12:06:50.802" v="18" actId="20577"/>
       <pc:docMkLst>
         <pc:docMk/>
       </pc:docMkLst>
@@ -165,6 +164,21 @@
           <pc:docMk/>
           <pc:sldMk cId="3941524434" sldId="257"/>
         </pc:sldMkLst>
+      </pc:sldChg>
+      <pc:sldChg chg="modSp mod">
+        <pc:chgData name="Lennard Rolstad Denby" userId="32b70bad-f9a6-4436-bae9-a88e91ea250f" providerId="ADAL" clId="{875BB582-9239-6240-AFAF-08A1E2844E8D}" dt="2024-09-12T12:06:50.802" v="18" actId="20577"/>
+        <pc:sldMkLst>
+          <pc:docMk/>
+          <pc:sldMk cId="2977141500" sldId="260"/>
+        </pc:sldMkLst>
+        <pc:spChg chg="mod">
+          <ac:chgData name="Lennard Rolstad Denby" userId="32b70bad-f9a6-4436-bae9-a88e91ea250f" providerId="ADAL" clId="{875BB582-9239-6240-AFAF-08A1E2844E8D}" dt="2024-09-12T12:06:50.802" v="18" actId="20577"/>
+          <ac:spMkLst>
+            <pc:docMk/>
+            <pc:sldMk cId="2977141500" sldId="260"/>
+            <ac:spMk id="2" creationId="{732BB47A-C161-B8AA-62E9-835AD07D11DD}"/>
+          </ac:spMkLst>
+        </pc:spChg>
       </pc:sldChg>
       <pc:sldChg chg="del">
         <pc:chgData name="Lennard Rolstad Denby" userId="32b70bad-f9a6-4436-bae9-a88e91ea250f" providerId="ADAL" clId="{875BB582-9239-6240-AFAF-08A1E2844E8D}" dt="2024-09-11T11:34:48.284" v="2" actId="2696"/>
@@ -2714,7 +2728,7 @@
           <a:p>
             <a:fld id="{9C846843-876B-400D-9E48-F418F4B905A5}" type="datetimeFigureOut">
               <a:rPr lang="nb-NO" smtClean="0"/>
-              <a:t>11.09.2024</a:t>
+              <a:t>12.09.2024</a:t>
             </a:fld>
             <a:endParaRPr lang="nb-NO"/>
           </a:p>
@@ -4173,7 +4187,7 @@
           <a:p>
             <a:fld id="{9C846843-876B-400D-9E48-F418F4B905A5}" type="datetimeFigureOut">
               <a:rPr lang="nb-NO" smtClean="0"/>
-              <a:t>11.09.2024</a:t>
+              <a:t>12.09.2024</a:t>
             </a:fld>
             <a:endParaRPr lang="nb-NO"/>
           </a:p>
@@ -5626,7 +5640,7 @@
           <a:p>
             <a:fld id="{9C846843-876B-400D-9E48-F418F4B905A5}" type="datetimeFigureOut">
               <a:rPr lang="nb-NO" smtClean="0"/>
-              <a:t>11.09.2024</a:t>
+              <a:t>12.09.2024</a:t>
             </a:fld>
             <a:endParaRPr lang="nb-NO"/>
           </a:p>
@@ -7081,7 +7095,7 @@
           <a:p>
             <a:fld id="{90F0031F-F4A2-4CFB-B7EC-223D0057D36A}" type="datetimeFigureOut">
               <a:rPr lang="nb-NO" smtClean="0"/>
-              <a:t>11.09.2024</a:t>
+              <a:t>12.09.2024</a:t>
             </a:fld>
             <a:endParaRPr lang="nb-NO"/>
           </a:p>
@@ -8526,7 +8540,7 @@
           <a:p>
             <a:fld id="{9C846843-876B-400D-9E48-F418F4B905A5}" type="datetimeFigureOut">
               <a:rPr lang="nb-NO" smtClean="0"/>
-              <a:t>11.09.2024</a:t>
+              <a:t>12.09.2024</a:t>
             </a:fld>
             <a:endParaRPr lang="nb-NO"/>
           </a:p>
@@ -10034,7 +10048,7 @@
           <a:p>
             <a:fld id="{9C846843-876B-400D-9E48-F418F4B905A5}" type="datetimeFigureOut">
               <a:rPr lang="nb-NO" smtClean="0"/>
-              <a:t>11.09.2024</a:t>
+              <a:t>12.09.2024</a:t>
             </a:fld>
             <a:endParaRPr lang="nb-NO"/>
           </a:p>
@@ -11555,7 +11569,7 @@
           <a:p>
             <a:fld id="{9C846843-876B-400D-9E48-F418F4B905A5}" type="datetimeFigureOut">
               <a:rPr lang="nb-NO" smtClean="0"/>
-              <a:t>11.09.2024</a:t>
+              <a:t>12.09.2024</a:t>
             </a:fld>
             <a:endParaRPr lang="nb-NO"/>
           </a:p>
@@ -13220,7 +13234,7 @@
           <a:p>
             <a:fld id="{9C846843-876B-400D-9E48-F418F4B905A5}" type="datetimeFigureOut">
               <a:rPr lang="nb-NO" smtClean="0"/>
-              <a:t>11.09.2024</a:t>
+              <a:t>12.09.2024</a:t>
             </a:fld>
             <a:endParaRPr lang="nb-NO"/>
           </a:p>
@@ -14618,7 +14632,7 @@
           <a:p>
             <a:fld id="{9C846843-876B-400D-9E48-F418F4B905A5}" type="datetimeFigureOut">
               <a:rPr lang="nb-NO" smtClean="0"/>
-              <a:t>11.09.2024</a:t>
+              <a:t>12.09.2024</a:t>
             </a:fld>
             <a:endParaRPr lang="nb-NO"/>
           </a:p>
@@ -14718,7 +14732,7 @@
           <a:p>
             <a:fld id="{9C846843-876B-400D-9E48-F418F4B905A5}" type="datetimeFigureOut">
               <a:rPr lang="nb-NO" smtClean="0"/>
-              <a:t>11.09.2024</a:t>
+              <a:t>12.09.2024</a:t>
             </a:fld>
             <a:endParaRPr lang="nb-NO"/>
           </a:p>
@@ -16244,7 +16258,7 @@
           <a:p>
             <a:fld id="{9C846843-876B-400D-9E48-F418F4B905A5}" type="datetimeFigureOut">
               <a:rPr lang="nb-NO" smtClean="0"/>
-              <a:t>11.09.2024</a:t>
+              <a:t>12.09.2024</a:t>
             </a:fld>
             <a:endParaRPr lang="nb-NO"/>
           </a:p>
@@ -17780,7 +17794,7 @@
           <a:p>
             <a:fld id="{9C846843-876B-400D-9E48-F418F4B905A5}" type="datetimeFigureOut">
               <a:rPr lang="nb-NO" smtClean="0"/>
-              <a:t>11.09.2024</a:t>
+              <a:t>12.09.2024</a:t>
             </a:fld>
             <a:endParaRPr lang="nb-NO"/>
           </a:p>
@@ -18003,7 +18017,7 @@
           <a:p>
             <a:fld id="{9C846843-876B-400D-9E48-F418F4B905A5}" type="datetimeFigureOut">
               <a:rPr lang="nb-NO" smtClean="0"/>
-              <a:t>11.09.2024</a:t>
+              <a:t>12.09.2024</a:t>
             </a:fld>
             <a:endParaRPr lang="nb-NO"/>
           </a:p>
@@ -18589,7 +18603,7 @@
           <a:p>
             <a:fld id="{90F0031F-F4A2-4CFB-B7EC-223D0057D36A}" type="datetimeFigureOut">
               <a:rPr lang="nb-NO" smtClean="0"/>
-              <a:t>11.09.2024</a:t>
+              <a:t>12.09.2024</a:t>
             </a:fld>
             <a:endParaRPr lang="nb-NO"/>
           </a:p>
@@ -25468,7 +25482,7 @@
             </a:r>
             <a:r>
               <a:rPr lang="en-US" altLang="nb-NO" sz="3100" dirty="0"/>
-              <a:t>16</a:t>
+              <a:t>6</a:t>
             </a:r>
             <a:endParaRPr kumimoji="0" lang="en-US" altLang="nb-NO" sz="3100" u="none" strike="noStrike" normalizeH="0" baseline="0" dirty="0">
               <a:ln>
